--- a/ServiceInteractions/riv/ehr/patientsummary/branches/TD_PATIENTSUMMARY_2/docs/TD_PatientSummary.pptx
+++ b/ServiceInteractions/riv/ehr/patientsummary/branches/TD_PATIENTSUMMARY_2/docs/TD_PatientSummary.pptx
@@ -204,7 +204,7 @@
             <a:fld id="{A1CCCE65-3320-6145-9FE0-1D4F0AE2F80D}" type="datetimeFigureOut">
               <a:rPr lang="sv-SE" smtClean="0"/>
               <a:pPr/>
-              <a:t>2013-01-09</a:t>
+              <a:t>2013-01-20</a:t>
             </a:fld>
             <a:endParaRPr lang="sv-SE"/>
           </a:p>
@@ -371,7 +371,7 @@
             <a:fld id="{48064D6E-32A5-4333-B2C8-253366DFFB1E}" type="datetimeFigureOut">
               <a:rPr lang="sv-SE" smtClean="0"/>
               <a:pPr/>
-              <a:t>2013-01-09</a:t>
+              <a:t>2013-01-20</a:t>
             </a:fld>
             <a:endParaRPr lang="sv-SE"/>
           </a:p>
@@ -808,7 +808,7 @@
             <a:fld id="{793AEFA7-59BA-446D-B708-A2D615D75329}" type="datetimeFigureOut">
               <a:rPr lang="sv-SE" smtClean="0"/>
               <a:pPr defTabSz="895350"/>
-              <a:t>2013-01-09</a:t>
+              <a:t>2013-01-20</a:t>
             </a:fld>
             <a:r>
               <a:rPr lang="sv-SE" dirty="0" smtClean="0"/>
@@ -1283,7 +1283,7 @@
             <a:fld id="{793AEFA7-59BA-446D-B708-A2D615D75329}" type="datetimeFigureOut">
               <a:rPr lang="sv-SE" smtClean="0"/>
               <a:pPr defTabSz="895350"/>
-              <a:t>2013-01-09</a:t>
+              <a:t>2013-01-20</a:t>
             </a:fld>
             <a:r>
               <a:rPr lang="sv-SE" dirty="0" smtClean="0"/>
@@ -1741,7 +1741,7 @@
             <a:fld id="{793AEFA7-59BA-446D-B708-A2D615D75329}" type="datetimeFigureOut">
               <a:rPr lang="sv-SE" smtClean="0"/>
               <a:pPr defTabSz="895350"/>
-              <a:t>2013-01-09</a:t>
+              <a:t>2013-01-20</a:t>
             </a:fld>
             <a:r>
               <a:rPr lang="sv-SE" dirty="0" smtClean="0"/>
@@ -1950,7 +1950,7 @@
             <a:fld id="{793AEFA7-59BA-446D-B708-A2D615D75329}" type="datetimeFigureOut">
               <a:rPr lang="sv-SE" smtClean="0"/>
               <a:pPr defTabSz="895350"/>
-              <a:t>2013-01-09</a:t>
+              <a:t>2013-01-20</a:t>
             </a:fld>
             <a:r>
               <a:rPr lang="sv-SE" dirty="0" smtClean="0"/>
@@ -2178,7 +2178,7 @@
             <a:fld id="{793AEFA7-59BA-446D-B708-A2D615D75329}" type="datetimeFigureOut">
               <a:rPr lang="sv-SE" smtClean="0"/>
               <a:pPr defTabSz="895350"/>
-              <a:t>2013-01-09</a:t>
+              <a:t>2013-01-20</a:t>
             </a:fld>
             <a:r>
               <a:rPr lang="sv-SE" dirty="0" smtClean="0"/>
@@ -2573,7 +2573,7 @@
             <a:fld id="{793AEFA7-59BA-446D-B708-A2D615D75329}" type="datetimeFigureOut">
               <a:rPr lang="sv-SE" smtClean="0"/>
               <a:pPr defTabSz="895350"/>
-              <a:t>2013-01-09</a:t>
+              <a:t>2013-01-20</a:t>
             </a:fld>
             <a:r>
               <a:rPr lang="sv-SE" dirty="0" smtClean="0"/>
@@ -3020,30 +3020,6 @@
           </a:p>
         </p:txBody>
       </p:sp>
-      <p:pic>
-        <p:nvPicPr>
-          <p:cNvPr id="13" name="Bildobjekt 12" descr="eHälsa_hörn_GREEN_cmyk.png"/>
-          <p:cNvPicPr>
-            <a:picLocks noChangeAspect="1"/>
-          </p:cNvPicPr>
-          <p:nvPr/>
-        </p:nvPicPr>
-        <p:blipFill>
-          <a:blip r:embed="rId12" cstate="print"/>
-          <a:stretch>
-            <a:fillRect/>
-          </a:stretch>
-        </p:blipFill>
-        <p:spPr>
-          <a:xfrm>
-            <a:off x="0" y="4657340"/>
-            <a:ext cx="2261621" cy="2200660"/>
-          </a:xfrm>
-          <a:prstGeom prst="rect">
-            <a:avLst/>
-          </a:prstGeom>
-        </p:spPr>
-      </p:pic>
       <p:sp>
         <p:nvSpPr>
           <p:cNvPr id="5" name="Platshållare för datum 4"/>
@@ -3080,7 +3056,7 @@
             <a:fld id="{793AEFA7-59BA-446D-B708-A2D615D75329}" type="datetimeFigureOut">
               <a:rPr lang="sv-SE" smtClean="0"/>
               <a:pPr/>
-              <a:t>2013-01-09</a:t>
+              <a:t>2013-01-20</a:t>
             </a:fld>
             <a:endParaRPr lang="sv-SE" dirty="0"/>
           </a:p>
@@ -3590,7 +3566,7 @@
             <a:fld id="{1557CB54-6EE6-4E9A-A5F4-26576EC193CD}" type="datetimeFigureOut">
               <a:rPr lang="sv-SE" smtClean="0"/>
               <a:pPr/>
-              <a:t>2013-01-09</a:t>
+              <a:t>2013-01-20</a:t>
             </a:fld>
             <a:endParaRPr lang="sv-SE"/>
           </a:p>
@@ -10070,7 +10046,7 @@
             <a:fld id="{793AEFA7-59BA-446D-B708-A2D615D75329}" type="datetimeFigureOut">
               <a:rPr lang="sv-SE" smtClean="0"/>
               <a:pPr defTabSz="895350"/>
-              <a:t>2013-01-09</a:t>
+              <a:t>2013-01-20</a:t>
             </a:fld>
             <a:r>
               <a:rPr lang="sv-SE" smtClean="0"/>
@@ -12545,7 +12521,7 @@
             <a:fld id="{793AEFA7-59BA-446D-B708-A2D615D75329}" type="datetimeFigureOut">
               <a:rPr lang="sv-SE" smtClean="0"/>
               <a:pPr defTabSz="895350"/>
-              <a:t>2013-01-09</a:t>
+              <a:t>2013-01-20</a:t>
             </a:fld>
             <a:r>
               <a:rPr lang="sv-SE" smtClean="0"/>
@@ -14347,7 +14323,7 @@
             <a:fld id="{793AEFA7-59BA-446D-B708-A2D615D75329}" type="datetimeFigureOut">
               <a:rPr lang="sv-SE" smtClean="0"/>
               <a:pPr defTabSz="895350"/>
-              <a:t>2013-01-09</a:t>
+              <a:t>2013-01-20</a:t>
             </a:fld>
             <a:r>
               <a:rPr lang="sv-SE" smtClean="0"/>
@@ -14452,7 +14428,11 @@
             <a:pPr algn="ctr"/>
             <a:r>
               <a:rPr lang="en-GB" sz="1400" dirty="0" smtClean="0"/>
-              <a:t>HSA-id 123</a:t>
+              <a:t>“KS</a:t>
+            </a:r>
+            <a:r>
+              <a:rPr lang="en-GB" sz="1400" dirty="0" smtClean="0"/>
+              <a:t>123”</a:t>
             </a:r>
             <a:endParaRPr lang="en-GB" sz="1400" dirty="0"/>
           </a:p>
@@ -15897,8 +15877,8 @@
         </p:nvSpPr>
         <p:spPr>
           <a:xfrm>
-            <a:off x="971600" y="1916832"/>
-            <a:ext cx="1490464" cy="1116704"/>
+            <a:off x="539552" y="1916832"/>
+            <a:ext cx="1922512" cy="1116704"/>
           </a:xfrm>
           <a:prstGeom prst="wedgeEllipseCallout">
             <a:avLst>
@@ -16044,7 +16024,55 @@
                   <a:srgbClr val="000000"/>
                 </a:solidFill>
               </a:rPr>
-              <a:t> HSA-id (ex: “123”)</a:t>
+              <a:t> HSA-id (ex: “123”</a:t>
+            </a:r>
+            <a:r>
+              <a:rPr lang="en-GB" sz="1000" dirty="0" smtClean="0">
+                <a:solidFill>
+                  <a:srgbClr val="000000"/>
+                </a:solidFill>
+              </a:rPr>
+              <a:t>) </a:t>
+            </a:r>
+            <a:r>
+              <a:rPr lang="en-GB" sz="1000" dirty="0" err="1" smtClean="0">
+                <a:solidFill>
+                  <a:srgbClr val="000000"/>
+                </a:solidFill>
+              </a:rPr>
+              <a:t>m.h.a</a:t>
+            </a:r>
+            <a:r>
+              <a:rPr lang="en-GB" sz="1000" dirty="0" smtClean="0">
+                <a:solidFill>
+                  <a:srgbClr val="000000"/>
+                </a:solidFill>
+              </a:rPr>
+              <a:t>. info </a:t>
+            </a:r>
+            <a:r>
+              <a:rPr lang="en-GB" sz="1000" dirty="0" err="1" smtClean="0">
+                <a:solidFill>
+                  <a:srgbClr val="000000"/>
+                </a:solidFill>
+              </a:rPr>
+              <a:t>i</a:t>
+            </a:r>
+            <a:r>
+              <a:rPr lang="en-GB" sz="1000" dirty="0" smtClean="0">
+                <a:solidFill>
+                  <a:srgbClr val="000000"/>
+                </a:solidFill>
+              </a:rPr>
+              <a:t> </a:t>
+            </a:r>
+            <a:r>
+              <a:rPr lang="en-GB" sz="1000" dirty="0" err="1" smtClean="0">
+                <a:solidFill>
+                  <a:srgbClr val="000000"/>
+                </a:solidFill>
+              </a:rPr>
+              <a:t>Engagemangsindex</a:t>
             </a:r>
             <a:endParaRPr lang="en-GB" sz="1000" dirty="0">
               <a:solidFill>
@@ -16062,8 +16090,8 @@
         </p:nvSpPr>
         <p:spPr>
           <a:xfrm>
-            <a:off x="7236296" y="1484784"/>
-            <a:ext cx="1490464" cy="1116704"/>
+            <a:off x="7236296" y="1268760"/>
+            <a:ext cx="1800200" cy="1512168"/>
           </a:xfrm>
           <a:prstGeom prst="wedgeEllipseCallout">
             <a:avLst>
@@ -16129,7 +16157,15 @@
                   <a:srgbClr val="000000"/>
                 </a:solidFill>
               </a:rPr>
-              <a:t> de </a:t>
+              <a:t> </a:t>
+            </a:r>
+            <a:r>
+              <a:rPr lang="en-GB" sz="1000" dirty="0" smtClean="0">
+                <a:solidFill>
+                  <a:srgbClr val="000000"/>
+                </a:solidFill>
+              </a:rPr>
+              <a:t>de PDL-</a:t>
             </a:r>
             <a:r>
               <a:rPr lang="en-GB" sz="1000" dirty="0" err="1" smtClean="0">
@@ -16137,6 +16173,190 @@
                   <a:srgbClr val="000000"/>
                 </a:solidFill>
               </a:rPr>
+              <a:t>enheter</a:t>
+            </a:r>
+            <a:r>
+              <a:rPr lang="en-GB" sz="1000" dirty="0" smtClean="0">
+                <a:solidFill>
+                  <a:srgbClr val="000000"/>
+                </a:solidFill>
+              </a:rPr>
+              <a:t>  </a:t>
+            </a:r>
+            <a:r>
+              <a:rPr lang="en-GB" sz="1000" dirty="0" err="1" smtClean="0">
+                <a:solidFill>
+                  <a:srgbClr val="000000"/>
+                </a:solidFill>
+              </a:rPr>
+              <a:t>som</a:t>
+            </a:r>
+            <a:r>
+              <a:rPr lang="en-GB" sz="1000" dirty="0" smtClean="0">
+                <a:solidFill>
+                  <a:srgbClr val="000000"/>
+                </a:solidFill>
+              </a:rPr>
+              <a:t> </a:t>
+            </a:r>
+            <a:r>
+              <a:rPr lang="en-GB" sz="1000" dirty="0" err="1" smtClean="0">
+                <a:solidFill>
+                  <a:srgbClr val="000000"/>
+                </a:solidFill>
+              </a:rPr>
+              <a:t>har</a:t>
+            </a:r>
+            <a:r>
+              <a:rPr lang="en-GB" sz="1000" dirty="0" smtClean="0">
+                <a:solidFill>
+                  <a:srgbClr val="000000"/>
+                </a:solidFill>
+              </a:rPr>
+              <a:t> </a:t>
+            </a:r>
+            <a:r>
+              <a:rPr lang="en-GB" sz="1000" dirty="0" err="1" smtClean="0">
+                <a:solidFill>
+                  <a:srgbClr val="000000"/>
+                </a:solidFill>
+              </a:rPr>
+              <a:t>journalhistorik</a:t>
+            </a:r>
+            <a:r>
+              <a:rPr lang="en-GB" sz="1000" dirty="0" smtClean="0">
+                <a:solidFill>
+                  <a:srgbClr val="000000"/>
+                </a:solidFill>
+              </a:rPr>
+              <a:t> </a:t>
+            </a:r>
+            <a:r>
+              <a:rPr lang="en-GB" sz="1000" dirty="0" err="1" smtClean="0">
+                <a:solidFill>
+                  <a:srgbClr val="000000"/>
+                </a:solidFill>
+              </a:rPr>
+              <a:t>om</a:t>
+            </a:r>
+            <a:r>
+              <a:rPr lang="en-GB" sz="1000" dirty="0" smtClean="0">
+                <a:solidFill>
+                  <a:srgbClr val="000000"/>
+                </a:solidFill>
+              </a:rPr>
+              <a:t> </a:t>
+            </a:r>
+            <a:r>
+              <a:rPr lang="en-GB" sz="1000" dirty="0" err="1" smtClean="0">
+                <a:solidFill>
+                  <a:srgbClr val="000000"/>
+                </a:solidFill>
+              </a:rPr>
+              <a:t>patienten</a:t>
+            </a:r>
+            <a:r>
+              <a:rPr lang="en-GB" sz="1000" dirty="0">
+                <a:solidFill>
+                  <a:srgbClr val="000000"/>
+                </a:solidFill>
+              </a:rPr>
+              <a:t> </a:t>
+            </a:r>
+            <a:r>
+              <a:rPr lang="en-GB" sz="1000" dirty="0" smtClean="0">
+                <a:solidFill>
+                  <a:srgbClr val="000000"/>
+                </a:solidFill>
+              </a:rPr>
+              <a:t>- </a:t>
+            </a:r>
+            <a:r>
+              <a:rPr lang="en-GB" sz="1000" dirty="0" smtClean="0">
+                <a:solidFill>
+                  <a:srgbClr val="000000"/>
+                </a:solidFill>
+              </a:rPr>
+              <a:t> </a:t>
+            </a:r>
+            <a:r>
+              <a:rPr lang="en-GB" sz="1000" dirty="0" err="1" smtClean="0">
+                <a:solidFill>
+                  <a:srgbClr val="000000"/>
+                </a:solidFill>
+              </a:rPr>
+              <a:t>t.ex</a:t>
+            </a:r>
+            <a:r>
+              <a:rPr lang="en-GB" sz="1000" dirty="0" smtClean="0">
+                <a:solidFill>
+                  <a:srgbClr val="000000"/>
+                </a:solidFill>
+              </a:rPr>
+              <a:t>. </a:t>
+            </a:r>
+            <a:r>
+              <a:rPr lang="en-GB" sz="1000" dirty="0" smtClean="0">
+                <a:solidFill>
+                  <a:srgbClr val="000000"/>
+                </a:solidFill>
+              </a:rPr>
+              <a:t>“VEH123”, </a:t>
+            </a:r>
+            <a:r>
+              <a:rPr lang="en-GB" sz="1000" dirty="0" err="1" smtClean="0">
+                <a:solidFill>
+                  <a:srgbClr val="000000"/>
+                </a:solidFill>
+              </a:rPr>
+              <a:t>samt</a:t>
+            </a:r>
+            <a:r>
+              <a:rPr lang="en-GB" sz="1000" dirty="0" smtClean="0">
+                <a:solidFill>
+                  <a:srgbClr val="000000"/>
+                </a:solidFill>
+              </a:rPr>
+              <a:t> </a:t>
+            </a:r>
+            <a:r>
+              <a:rPr lang="en-GB" sz="1000" dirty="0" err="1" smtClean="0">
+                <a:solidFill>
+                  <a:srgbClr val="000000"/>
+                </a:solidFill>
+              </a:rPr>
+              <a:t>i</a:t>
+            </a:r>
+            <a:r>
+              <a:rPr lang="en-GB" sz="1000" dirty="0" smtClean="0">
+                <a:solidFill>
+                  <a:srgbClr val="000000"/>
+                </a:solidFill>
+              </a:rPr>
+              <a:t> </a:t>
+            </a:r>
+            <a:r>
+              <a:rPr lang="en-GB" sz="1000" dirty="0" err="1" smtClean="0">
+                <a:solidFill>
+                  <a:srgbClr val="000000"/>
+                </a:solidFill>
+              </a:rPr>
+              <a:t>vilka</a:t>
+            </a:r>
+            <a:r>
+              <a:rPr lang="en-GB" sz="1000" dirty="0" smtClean="0">
+                <a:solidFill>
+                  <a:srgbClr val="000000"/>
+                </a:solidFill>
+              </a:rPr>
+              <a:t> </a:t>
+            </a:r>
+            <a:r>
+              <a:rPr lang="en-GB" sz="1000" dirty="0" err="1" smtClean="0">
+                <a:solidFill>
+                  <a:srgbClr val="000000"/>
+                </a:solidFill>
+              </a:rPr>
               <a:t>källsystem</a:t>
             </a:r>
             <a:r>
@@ -16153,7 +16373,7 @@
                   <a:srgbClr val="000000"/>
                 </a:solidFill>
               </a:rPr>
-              <a:t>som</a:t>
+              <a:t>dessa</a:t>
             </a:r>
             <a:r>
               <a:rPr lang="en-GB" sz="1000" dirty="0" smtClean="0">
@@ -16161,15 +16381,39 @@
                   <a:srgbClr val="000000"/>
                 </a:solidFill>
               </a:rPr>
+              <a:t> data </a:t>
+            </a:r>
+            <a:r>
+              <a:rPr lang="en-GB" sz="1000" dirty="0" err="1" smtClean="0">
+                <a:solidFill>
+                  <a:srgbClr val="000000"/>
+                </a:solidFill>
+              </a:rPr>
+              <a:t>finns</a:t>
+            </a:r>
+            <a:r>
+              <a:rPr lang="en-GB" sz="1000" dirty="0">
+                <a:solidFill>
+                  <a:srgbClr val="000000"/>
+                </a:solidFill>
+              </a:rPr>
               <a:t> </a:t>
             </a:r>
             <a:r>
+              <a:rPr lang="en-GB" sz="1000" dirty="0" smtClean="0">
+                <a:solidFill>
+                  <a:srgbClr val="000000"/>
+                </a:solidFill>
+              </a:rPr>
+              <a:t>– </a:t>
+            </a:r>
+            <a:r>
               <a:rPr lang="en-GB" sz="1000" dirty="0" err="1" smtClean="0">
                 <a:solidFill>
                   <a:srgbClr val="000000"/>
                 </a:solidFill>
               </a:rPr>
-              <a:t>har</a:t>
+              <a:t>t.ex</a:t>
             </a:r>
             <a:r>
               <a:rPr lang="en-GB" sz="1000" dirty="0" smtClean="0">
@@ -16177,71 +16421,7 @@
                   <a:srgbClr val="000000"/>
                 </a:solidFill>
               </a:rPr>
-              <a:t> </a:t>
-            </a:r>
-            <a:r>
-              <a:rPr lang="en-GB" sz="1000" dirty="0" err="1" smtClean="0">
-                <a:solidFill>
-                  <a:srgbClr val="000000"/>
-                </a:solidFill>
-              </a:rPr>
-              <a:t>journalhistorik</a:t>
-            </a:r>
-            <a:r>
-              <a:rPr lang="en-GB" sz="1000" dirty="0" smtClean="0">
-                <a:solidFill>
-                  <a:srgbClr val="000000"/>
-                </a:solidFill>
-              </a:rPr>
-              <a:t> </a:t>
-            </a:r>
-            <a:r>
-              <a:rPr lang="en-GB" sz="1000" dirty="0" err="1" smtClean="0">
-                <a:solidFill>
-                  <a:srgbClr val="000000"/>
-                </a:solidFill>
-              </a:rPr>
-              <a:t>om</a:t>
-            </a:r>
-            <a:r>
-              <a:rPr lang="en-GB" sz="1000" dirty="0" smtClean="0">
-                <a:solidFill>
-                  <a:srgbClr val="000000"/>
-                </a:solidFill>
-              </a:rPr>
-              <a:t> </a:t>
-            </a:r>
-            <a:r>
-              <a:rPr lang="en-GB" sz="1000" dirty="0" err="1" smtClean="0">
-                <a:solidFill>
-                  <a:srgbClr val="000000"/>
-                </a:solidFill>
-              </a:rPr>
-              <a:t>patienten</a:t>
-            </a:r>
-            <a:r>
-              <a:rPr lang="en-GB" sz="1000" dirty="0" smtClean="0">
-                <a:solidFill>
-                  <a:srgbClr val="000000"/>
-                </a:solidFill>
-              </a:rPr>
-              <a:t>, </a:t>
-            </a:r>
-            <a:r>
-              <a:rPr lang="en-GB" sz="1000" dirty="0" err="1" smtClean="0">
-                <a:solidFill>
-                  <a:srgbClr val="000000"/>
-                </a:solidFill>
-              </a:rPr>
-              <a:t>t.ex</a:t>
-            </a:r>
-            <a:r>
-              <a:rPr lang="en-GB" sz="1000" dirty="0" smtClean="0">
-                <a:solidFill>
-                  <a:srgbClr val="000000"/>
-                </a:solidFill>
-              </a:rPr>
-              <a:t>. “123”</a:t>
+              <a:t>. “KS123”</a:t>
             </a:r>
             <a:endParaRPr lang="en-GB" sz="1000" dirty="0">
               <a:solidFill>
@@ -16459,7 +16639,15 @@
                   <a:srgbClr val="000000"/>
                 </a:solidFill>
               </a:rPr>
-              <a:t> HSA-</a:t>
+              <a:t> HSA-id, </a:t>
+            </a:r>
+            <a:r>
+              <a:rPr lang="en-GB" sz="1000" dirty="0" err="1" smtClean="0">
+                <a:solidFill>
+                  <a:srgbClr val="000000"/>
+                </a:solidFill>
+              </a:rPr>
+              <a:t>t.ex</a:t>
             </a:r>
             <a:r>
               <a:rPr lang="en-GB" sz="1000" dirty="0" smtClean="0">
@@ -16467,15 +16655,15 @@
                   <a:srgbClr val="000000"/>
                 </a:solidFill>
               </a:rPr>
-              <a:t>id, </a:t>
-            </a:r>
-            <a:r>
-              <a:rPr lang="en-GB" sz="1000" dirty="0" err="1" smtClean="0">
+              <a:t>. </a:t>
+            </a:r>
+            <a:r>
+              <a:rPr lang="en-GB" sz="1000" dirty="0" smtClean="0">
                 <a:solidFill>
                   <a:srgbClr val="000000"/>
                 </a:solidFill>
               </a:rPr>
-              <a:t>t.ex</a:t>
+              <a:t>“KS123</a:t>
             </a:r>
             <a:r>
               <a:rPr lang="en-GB" sz="1000" dirty="0" smtClean="0">
@@ -16483,7 +16671,7 @@
                   <a:srgbClr val="000000"/>
                 </a:solidFill>
               </a:rPr>
-              <a:t>. “123”</a:t>
+              <a:t>”</a:t>
             </a:r>
             <a:endParaRPr lang="en-GB" sz="1000" dirty="0">
               <a:solidFill>
@@ -16556,11 +16744,7 @@
             </a:r>
             <a:r>
               <a:rPr lang="en-GB" dirty="0" err="1" smtClean="0"/>
-              <a:t>a</a:t>
-            </a:r>
-            <a:r>
-              <a:rPr lang="en-GB" dirty="0" err="1" smtClean="0"/>
-              <a:t>dressering</a:t>
+              <a:t>adressering</a:t>
             </a:r>
             <a:endParaRPr lang="en-GB" dirty="0"/>
           </a:p>
@@ -16585,7 +16769,7 @@
             <a:fld id="{793AEFA7-59BA-446D-B708-A2D615D75329}" type="datetimeFigureOut">
               <a:rPr lang="sv-SE" smtClean="0"/>
               <a:pPr defTabSz="895350"/>
-              <a:t>2013-01-09</a:t>
+              <a:t>2013-01-20</a:t>
             </a:fld>
             <a:r>
               <a:rPr lang="sv-SE" smtClean="0"/>
@@ -16644,11 +16828,7 @@
             </a:r>
             <a:r>
               <a:rPr lang="en-GB" sz="1400" dirty="0" smtClean="0"/>
-              <a:t> </a:t>
-            </a:r>
-            <a:r>
-              <a:rPr lang="en-GB" sz="1400" dirty="0" smtClean="0"/>
-              <a:t>(</a:t>
+              <a:t> (</a:t>
             </a:r>
             <a:r>
               <a:rPr lang="en-GB" sz="1400" dirty="0" err="1" smtClean="0"/>
@@ -16739,56 +16919,13 @@
       </p:sp>
       <p:sp>
         <p:nvSpPr>
-          <p:cNvPr id="54" name="Rektangel 53"/>
-          <p:cNvSpPr/>
-          <p:nvPr/>
-        </p:nvSpPr>
-        <p:spPr>
-          <a:xfrm>
-            <a:off x="7164288" y="6482953"/>
-            <a:ext cx="360040" cy="288032"/>
-          </a:xfrm>
-          <a:prstGeom prst="rect">
-            <a:avLst/>
-          </a:prstGeom>
-          <a:noFill/>
-          <a:ln>
-            <a:prstDash val="dash"/>
-          </a:ln>
-          <a:effectLst/>
-        </p:spPr>
-        <p:style>
-          <a:lnRef idx="1">
-            <a:schemeClr val="accent1"/>
-          </a:lnRef>
-          <a:fillRef idx="3">
-            <a:schemeClr val="accent1"/>
-          </a:fillRef>
-          <a:effectRef idx="2">
-            <a:schemeClr val="accent1"/>
-          </a:effectRef>
-          <a:fontRef idx="minor">
-            <a:schemeClr val="lt1"/>
-          </a:fontRef>
-        </p:style>
-        <p:txBody>
-          <a:bodyPr rtlCol="0" anchor="ctr"/>
-          <a:lstStyle/>
-          <a:p>
-            <a:pPr algn="ctr"/>
-            <a:endParaRPr lang="en-GB"/>
-          </a:p>
-        </p:txBody>
-      </p:sp>
-      <p:sp>
-        <p:nvSpPr>
           <p:cNvPr id="55" name="textruta 54"/>
           <p:cNvSpPr txBox="1"/>
           <p:nvPr/>
         </p:nvSpPr>
         <p:spPr>
           <a:xfrm>
-            <a:off x="7452320" y="6453336"/>
+            <a:off x="6660232" y="5733256"/>
             <a:ext cx="1080120" cy="276999"/>
           </a:xfrm>
           <a:prstGeom prst="rect">
@@ -16802,13 +16939,6 @@
           </a:bodyPr>
           <a:lstStyle/>
           <a:p>
-            <a:r>
-              <a:rPr lang="en-GB" sz="1200" dirty="0" smtClean="0">
-                <a:latin typeface="Arial" pitchFamily="34" charset="0"/>
-                <a:cs typeface="Arial" pitchFamily="34" charset="0"/>
-              </a:rPr>
-              <a:t>= </a:t>
-            </a:r>
             <a:r>
               <a:rPr lang="en-GB" sz="1200" dirty="0" err="1" smtClean="0">
                 <a:latin typeface="Arial" pitchFamily="34" charset="0"/>
@@ -17391,15 +17521,7 @@
                   <a:srgbClr val="000000"/>
                 </a:solidFill>
               </a:rPr>
-              <a:t> HSA</a:t>
-            </a:r>
-            <a:r>
-              <a:rPr lang="en-GB" sz="1000" dirty="0" smtClean="0">
-                <a:solidFill>
-                  <a:srgbClr val="000000"/>
-                </a:solidFill>
-              </a:rPr>
-              <a:t>-id</a:t>
+              <a:t> HSA-id</a:t>
             </a:r>
             <a:endParaRPr lang="en-GB" sz="1000" dirty="0">
               <a:solidFill>
@@ -17484,7 +17606,15 @@
                   <a:srgbClr val="000000"/>
                 </a:solidFill>
               </a:rPr>
-              <a:t> HSA-</a:t>
+              <a:t> HSA-id, </a:t>
+            </a:r>
+            <a:r>
+              <a:rPr lang="en-GB" sz="1000" dirty="0" err="1" smtClean="0">
+                <a:solidFill>
+                  <a:srgbClr val="000000"/>
+                </a:solidFill>
+              </a:rPr>
+              <a:t>t.ex</a:t>
             </a:r>
             <a:r>
               <a:rPr lang="en-GB" sz="1000" dirty="0" smtClean="0">
@@ -17492,15 +17622,15 @@
                   <a:srgbClr val="000000"/>
                 </a:solidFill>
               </a:rPr>
-              <a:t>id, </a:t>
-            </a:r>
-            <a:r>
-              <a:rPr lang="en-GB" sz="1000" dirty="0" err="1" smtClean="0">
+              <a:t>. </a:t>
+            </a:r>
+            <a:r>
+              <a:rPr lang="en-GB" sz="1000" dirty="0" smtClean="0">
                 <a:solidFill>
                   <a:srgbClr val="000000"/>
                 </a:solidFill>
               </a:rPr>
-              <a:t>t.ex</a:t>
+              <a:t>“KS123</a:t>
             </a:r>
             <a:r>
               <a:rPr lang="en-GB" sz="1000" dirty="0" smtClean="0">
@@ -17508,7 +17638,7 @@
                   <a:srgbClr val="000000"/>
                 </a:solidFill>
               </a:rPr>
-              <a:t>. “123”</a:t>
+              <a:t>”</a:t>
             </a:r>
             <a:endParaRPr lang="en-GB" sz="1000" dirty="0">
               <a:solidFill>
@@ -17526,13 +17656,13 @@
         </p:nvSpPr>
         <p:spPr>
           <a:xfrm>
-            <a:off x="971600" y="1916832"/>
-            <a:ext cx="1490464" cy="1116704"/>
+            <a:off x="611560" y="1844824"/>
+            <a:ext cx="1850504" cy="1368152"/>
           </a:xfrm>
           <a:prstGeom prst="wedgeEllipseCallout">
             <a:avLst>
-              <a:gd name="adj1" fmla="val 62956"/>
-              <a:gd name="adj2" fmla="val 26746"/>
+              <a:gd name="adj1" fmla="val 61150"/>
+              <a:gd name="adj2" fmla="val 18806"/>
             </a:avLst>
           </a:prstGeom>
           <a:solidFill>
@@ -17564,7 +17694,7 @@
           <a:p>
             <a:pPr algn="ctr"/>
             <a:r>
-              <a:rPr lang="en-GB" sz="1000" dirty="0" err="1" smtClean="0">
+              <a:rPr lang="en-GB" sz="1000" dirty="0" err="1">
                 <a:solidFill>
                   <a:srgbClr val="000000"/>
                 </a:solidFill>
@@ -17572,7 +17702,7 @@
               <a:t>Här</a:t>
             </a:r>
             <a:r>
-              <a:rPr lang="en-GB" sz="1000" dirty="0" smtClean="0">
+              <a:rPr lang="en-GB" sz="1000" dirty="0">
                 <a:solidFill>
                   <a:srgbClr val="000000"/>
                 </a:solidFill>
@@ -17580,7 +17710,7 @@
               <a:t> </a:t>
             </a:r>
             <a:r>
-              <a:rPr lang="en-GB" sz="1000" dirty="0" err="1" smtClean="0">
+              <a:rPr lang="en-GB" sz="1000" dirty="0" err="1">
                 <a:solidFill>
                   <a:srgbClr val="000000"/>
                 </a:solidFill>
@@ -17588,7 +17718,7 @@
               <a:t>växlas</a:t>
             </a:r>
             <a:r>
-              <a:rPr lang="en-GB" sz="1000" dirty="0" smtClean="0">
+              <a:rPr lang="en-GB" sz="1000" dirty="0">
                 <a:solidFill>
                   <a:srgbClr val="000000"/>
                 </a:solidFill>
@@ -17596,15 +17726,31 @@
               <a:t> </a:t>
             </a:r>
             <a:r>
-              <a:rPr lang="en-GB" sz="1000" dirty="0" err="1" smtClean="0">
+              <a:rPr lang="en-GB" sz="1000" dirty="0" err="1">
                 <a:solidFill>
                   <a:srgbClr val="000000"/>
                 </a:solidFill>
               </a:rPr>
+              <a:t>adress</a:t>
+            </a:r>
+            <a:r>
+              <a:rPr lang="en-GB" sz="1000" dirty="0">
+                <a:solidFill>
+                  <a:srgbClr val="000000"/>
+                </a:solidFill>
+              </a:rPr>
+              <a:t> </a:t>
+            </a:r>
+            <a:r>
+              <a:rPr lang="en-GB" sz="1000" dirty="0" err="1">
+                <a:solidFill>
+                  <a:srgbClr val="000000"/>
+                </a:solidFill>
+              </a:rPr>
               <a:t>från</a:t>
             </a:r>
             <a:r>
-              <a:rPr lang="en-GB" sz="1000" dirty="0" smtClean="0">
+              <a:rPr lang="en-GB" sz="1000" dirty="0">
                 <a:solidFill>
                   <a:srgbClr val="000000"/>
                 </a:solidFill>
@@ -17612,84 +17758,92 @@
               <a:t> </a:t>
             </a:r>
             <a:r>
-              <a:rPr lang="en-GB" sz="1000" dirty="0" err="1" smtClean="0">
+              <a:rPr lang="en-GB" sz="1000" dirty="0" err="1">
                 <a:solidFill>
                   <a:srgbClr val="000000"/>
                 </a:solidFill>
               </a:rPr>
-              <a:t>regionens</a:t>
-            </a:r>
-            <a:r>
-              <a:rPr lang="en-GB" sz="1000" dirty="0" smtClean="0">
+              <a:t>Ineras</a:t>
+            </a:r>
+            <a:r>
+              <a:rPr lang="en-GB" sz="1000" dirty="0">
                 <a:solidFill>
                   <a:srgbClr val="000000"/>
                 </a:solidFill>
               </a:rPr>
-              <a:t> HSA</a:t>
-            </a:r>
-            <a:r>
-              <a:rPr lang="en-GB" sz="1000" dirty="0" smtClean="0">
+              <a:t> HSA-id till </a:t>
+            </a:r>
+            <a:r>
+              <a:rPr lang="en-GB" sz="1000" dirty="0" err="1">
                 <a:solidFill>
                   <a:srgbClr val="000000"/>
                 </a:solidFill>
               </a:rPr>
-              <a:t>-id till </a:t>
-            </a:r>
-            <a:r>
-              <a:rPr lang="en-GB" sz="1000" dirty="0" err="1" smtClean="0">
+              <a:t>repsektive</a:t>
+            </a:r>
+            <a:r>
+              <a:rPr lang="en-GB" sz="1000" dirty="0">
                 <a:solidFill>
                   <a:srgbClr val="000000"/>
                 </a:solidFill>
               </a:rPr>
-              <a:t>repsektive</a:t>
-            </a:r>
-            <a:r>
-              <a:rPr lang="en-GB" sz="1000" dirty="0" smtClean="0">
+              <a:t> </a:t>
+            </a:r>
+            <a:r>
+              <a:rPr lang="en-GB" sz="1000" dirty="0" err="1">
                 <a:solidFill>
                   <a:srgbClr val="000000"/>
                 </a:solidFill>
               </a:rPr>
+              <a:t>källsystems</a:t>
+            </a:r>
+            <a:r>
+              <a:rPr lang="en-GB" sz="1000" dirty="0">
+                <a:solidFill>
+                  <a:srgbClr val="000000"/>
+                </a:solidFill>
+              </a:rPr>
+              <a:t> HSA-id (ex: “123”) </a:t>
+            </a:r>
+            <a:r>
+              <a:rPr lang="en-GB" sz="1000" dirty="0" err="1">
+                <a:solidFill>
+                  <a:srgbClr val="000000"/>
+                </a:solidFill>
+              </a:rPr>
+              <a:t>m.h.a</a:t>
+            </a:r>
+            <a:r>
+              <a:rPr lang="en-GB" sz="1000" dirty="0">
+                <a:solidFill>
+                  <a:srgbClr val="000000"/>
+                </a:solidFill>
+              </a:rPr>
+              <a:t>. info </a:t>
+            </a:r>
+            <a:r>
+              <a:rPr lang="en-GB" sz="1000" dirty="0" err="1">
+                <a:solidFill>
+                  <a:srgbClr val="000000"/>
+                </a:solidFill>
+              </a:rPr>
+              <a:t>i</a:t>
+            </a:r>
+            <a:r>
+              <a:rPr lang="en-GB" sz="1000" dirty="0">
+                <a:solidFill>
+                  <a:srgbClr val="000000"/>
+                </a:solidFill>
+              </a:rPr>
               <a:t> </a:t>
             </a:r>
             <a:r>
-              <a:rPr lang="en-GB" sz="1000" dirty="0" err="1" smtClean="0">
+              <a:rPr lang="en-GB" sz="1000" dirty="0" err="1">
                 <a:solidFill>
                   <a:srgbClr val="000000"/>
                 </a:solidFill>
               </a:rPr>
-              <a:t>källsystems</a:t>
-            </a:r>
-            <a:r>
-              <a:rPr lang="en-GB" sz="1000" dirty="0" smtClean="0">
-                <a:solidFill>
-                  <a:srgbClr val="000000"/>
-                </a:solidFill>
-              </a:rPr>
-              <a:t> HSA-id </a:t>
-            </a:r>
-            <a:r>
-              <a:rPr lang="en-GB" sz="1000" dirty="0" smtClean="0">
-                <a:solidFill>
-                  <a:srgbClr val="000000"/>
-                </a:solidFill>
-              </a:rPr>
-              <a:t>(</a:t>
-            </a:r>
-            <a:r>
-              <a:rPr lang="en-GB" sz="1000" dirty="0" err="1" smtClean="0">
-                <a:solidFill>
-                  <a:srgbClr val="000000"/>
-                </a:solidFill>
-              </a:rPr>
-              <a:t>t.ex</a:t>
-            </a:r>
-            <a:r>
-              <a:rPr lang="en-GB" sz="1000" dirty="0" smtClean="0">
-                <a:solidFill>
-                  <a:srgbClr val="000000"/>
-                </a:solidFill>
-              </a:rPr>
-              <a:t>: “123”)</a:t>
+              <a:t>Engagemangsindex</a:t>
             </a:r>
             <a:endParaRPr lang="en-GB" sz="1000" dirty="0">
               <a:solidFill>
@@ -17707,8 +17861,8 @@
         </p:nvSpPr>
         <p:spPr>
           <a:xfrm>
-            <a:off x="7236296" y="1484784"/>
-            <a:ext cx="1490464" cy="1116704"/>
+            <a:off x="7236296" y="1268760"/>
+            <a:ext cx="1800200" cy="1332728"/>
           </a:xfrm>
           <a:prstGeom prst="wedgeEllipseCallout">
             <a:avLst>
@@ -17745,7 +17899,7 @@
           <a:p>
             <a:pPr algn="ctr"/>
             <a:r>
-              <a:rPr lang="en-GB" sz="1000" dirty="0" err="1" smtClean="0">
+              <a:rPr lang="en-GB" sz="1000" dirty="0" err="1">
                 <a:solidFill>
                   <a:srgbClr val="000000"/>
                 </a:solidFill>
@@ -17753,7 +17907,7 @@
               <a:t>HSA-id:n</a:t>
             </a:r>
             <a:r>
-              <a:rPr lang="en-GB" sz="1000" dirty="0" smtClean="0">
+              <a:rPr lang="en-GB" sz="1000" dirty="0">
                 <a:solidFill>
                   <a:srgbClr val="000000"/>
                 </a:solidFill>
@@ -17761,7 +17915,7 @@
               <a:t> </a:t>
             </a:r>
             <a:r>
-              <a:rPr lang="en-GB" sz="1000" dirty="0" err="1" smtClean="0">
+              <a:rPr lang="en-GB" sz="1000" dirty="0" err="1">
                 <a:solidFill>
                   <a:srgbClr val="000000"/>
                 </a:solidFill>
@@ -17769,23 +17923,183 @@
               <a:t>för</a:t>
             </a:r>
             <a:r>
-              <a:rPr lang="en-GB" sz="1000" dirty="0" smtClean="0">
+              <a:rPr lang="en-GB" sz="1000" dirty="0">
                 <a:solidFill>
                   <a:srgbClr val="000000"/>
                 </a:solidFill>
               </a:rPr>
-              <a:t> de </a:t>
-            </a:r>
-            <a:r>
-              <a:rPr lang="en-GB" sz="1000" dirty="0" err="1" smtClean="0">
+              <a:t> de PDL-</a:t>
+            </a:r>
+            <a:r>
+              <a:rPr lang="en-GB" sz="1000" dirty="0" err="1">
                 <a:solidFill>
                   <a:srgbClr val="000000"/>
                 </a:solidFill>
               </a:rPr>
+              <a:t>enheter</a:t>
+            </a:r>
+            <a:r>
+              <a:rPr lang="en-GB" sz="1000" dirty="0">
+                <a:solidFill>
+                  <a:srgbClr val="000000"/>
+                </a:solidFill>
+              </a:rPr>
+              <a:t>  </a:t>
+            </a:r>
+            <a:r>
+              <a:rPr lang="en-GB" sz="1000" dirty="0" err="1">
+                <a:solidFill>
+                  <a:srgbClr val="000000"/>
+                </a:solidFill>
+              </a:rPr>
+              <a:t>som</a:t>
+            </a:r>
+            <a:r>
+              <a:rPr lang="en-GB" sz="1000" dirty="0">
+                <a:solidFill>
+                  <a:srgbClr val="000000"/>
+                </a:solidFill>
+              </a:rPr>
+              <a:t> </a:t>
+            </a:r>
+            <a:r>
+              <a:rPr lang="en-GB" sz="1000" dirty="0" err="1">
+                <a:solidFill>
+                  <a:srgbClr val="000000"/>
+                </a:solidFill>
+              </a:rPr>
+              <a:t>har</a:t>
+            </a:r>
+            <a:r>
+              <a:rPr lang="en-GB" sz="1000" dirty="0">
+                <a:solidFill>
+                  <a:srgbClr val="000000"/>
+                </a:solidFill>
+              </a:rPr>
+              <a:t> </a:t>
+            </a:r>
+            <a:r>
+              <a:rPr lang="en-GB" sz="1000" dirty="0" err="1">
+                <a:solidFill>
+                  <a:srgbClr val="000000"/>
+                </a:solidFill>
+              </a:rPr>
+              <a:t>journalhistorik</a:t>
+            </a:r>
+            <a:r>
+              <a:rPr lang="en-GB" sz="1000" dirty="0">
+                <a:solidFill>
+                  <a:srgbClr val="000000"/>
+                </a:solidFill>
+              </a:rPr>
+              <a:t> </a:t>
+            </a:r>
+            <a:r>
+              <a:rPr lang="en-GB" sz="1000" dirty="0" err="1">
+                <a:solidFill>
+                  <a:srgbClr val="000000"/>
+                </a:solidFill>
+              </a:rPr>
+              <a:t>om</a:t>
+            </a:r>
+            <a:r>
+              <a:rPr lang="en-GB" sz="1000" dirty="0">
+                <a:solidFill>
+                  <a:srgbClr val="000000"/>
+                </a:solidFill>
+              </a:rPr>
+              <a:t> </a:t>
+            </a:r>
+            <a:r>
+              <a:rPr lang="en-GB" sz="1000" dirty="0" err="1">
+                <a:solidFill>
+                  <a:srgbClr val="000000"/>
+                </a:solidFill>
+              </a:rPr>
+              <a:t>patienten</a:t>
+            </a:r>
+            <a:r>
+              <a:rPr lang="en-GB" sz="1000" dirty="0">
+                <a:solidFill>
+                  <a:srgbClr val="000000"/>
+                </a:solidFill>
+              </a:rPr>
+              <a:t> -  </a:t>
+            </a:r>
+            <a:r>
+              <a:rPr lang="en-GB" sz="1000" dirty="0" err="1">
+                <a:solidFill>
+                  <a:srgbClr val="000000"/>
+                </a:solidFill>
+              </a:rPr>
+              <a:t>t.ex</a:t>
+            </a:r>
+            <a:r>
+              <a:rPr lang="en-GB" sz="1000" dirty="0">
+                <a:solidFill>
+                  <a:srgbClr val="000000"/>
+                </a:solidFill>
+              </a:rPr>
+              <a:t>. “VEH123”, </a:t>
+            </a:r>
+            <a:r>
+              <a:rPr lang="en-GB" sz="1000" dirty="0" err="1">
+                <a:solidFill>
+                  <a:srgbClr val="000000"/>
+                </a:solidFill>
+              </a:rPr>
+              <a:t>samt</a:t>
+            </a:r>
+            <a:r>
+              <a:rPr lang="en-GB" sz="1000" dirty="0">
+                <a:solidFill>
+                  <a:srgbClr val="000000"/>
+                </a:solidFill>
+              </a:rPr>
+              <a:t> </a:t>
+            </a:r>
+            <a:r>
+              <a:rPr lang="en-GB" sz="1000" dirty="0" err="1">
+                <a:solidFill>
+                  <a:srgbClr val="000000"/>
+                </a:solidFill>
+              </a:rPr>
+              <a:t>i</a:t>
+            </a:r>
+            <a:r>
+              <a:rPr lang="en-GB" sz="1000" dirty="0">
+                <a:solidFill>
+                  <a:srgbClr val="000000"/>
+                </a:solidFill>
+              </a:rPr>
+              <a:t> </a:t>
+            </a:r>
+            <a:r>
+              <a:rPr lang="en-GB" sz="1000" dirty="0" err="1">
+                <a:solidFill>
+                  <a:srgbClr val="000000"/>
+                </a:solidFill>
+              </a:rPr>
+              <a:t>vilka</a:t>
+            </a:r>
+            <a:r>
+              <a:rPr lang="en-GB" sz="1000" dirty="0">
+                <a:solidFill>
+                  <a:srgbClr val="000000"/>
+                </a:solidFill>
+              </a:rPr>
+              <a:t> </a:t>
+            </a:r>
+            <a:r>
+              <a:rPr lang="en-GB" sz="1000" dirty="0" err="1">
+                <a:solidFill>
+                  <a:srgbClr val="000000"/>
+                </a:solidFill>
+              </a:rPr>
               <a:t>källsystem</a:t>
             </a:r>
             <a:r>
-              <a:rPr lang="en-GB" sz="1000" dirty="0" smtClean="0">
+              <a:rPr lang="en-GB" sz="1000" dirty="0">
                 <a:solidFill>
                   <a:srgbClr val="000000"/>
                 </a:solidFill>
@@ -17793,100 +18107,52 @@
               <a:t> </a:t>
             </a:r>
             <a:r>
-              <a:rPr lang="en-GB" sz="1000" dirty="0" err="1" smtClean="0">
+              <a:rPr lang="en-GB" sz="1000" dirty="0" err="1">
                 <a:solidFill>
                   <a:srgbClr val="000000"/>
                 </a:solidFill>
               </a:rPr>
-              <a:t>som</a:t>
-            </a:r>
-            <a:r>
-              <a:rPr lang="en-GB" sz="1000" dirty="0" smtClean="0">
+              <a:t>dessa</a:t>
+            </a:r>
+            <a:r>
+              <a:rPr lang="en-GB" sz="1000" dirty="0">
                 <a:solidFill>
                   <a:srgbClr val="000000"/>
                 </a:solidFill>
               </a:rPr>
-              <a:t> </a:t>
-            </a:r>
-            <a:r>
-              <a:rPr lang="en-GB" sz="1000" dirty="0" err="1" smtClean="0">
+              <a:t> data </a:t>
+            </a:r>
+            <a:r>
+              <a:rPr lang="en-GB" sz="1000" dirty="0" err="1">
                 <a:solidFill>
                   <a:srgbClr val="000000"/>
                 </a:solidFill>
               </a:rPr>
-              <a:t>har</a:t>
-            </a:r>
-            <a:r>
-              <a:rPr lang="en-GB" sz="1000" dirty="0" smtClean="0">
+              <a:t>finns</a:t>
+            </a:r>
+            <a:r>
+              <a:rPr lang="en-GB" sz="1000" dirty="0">
                 <a:solidFill>
                   <a:srgbClr val="000000"/>
                 </a:solidFill>
               </a:rPr>
-              <a:t> </a:t>
-            </a:r>
-            <a:r>
-              <a:rPr lang="en-GB" sz="1000" dirty="0" err="1" smtClean="0">
+              <a:t> – </a:t>
+            </a:r>
+            <a:r>
+              <a:rPr lang="en-GB" sz="1000" dirty="0" err="1">
                 <a:solidFill>
                   <a:srgbClr val="000000"/>
                 </a:solidFill>
               </a:rPr>
-              <a:t>journalhistorik</a:t>
-            </a:r>
-            <a:r>
-              <a:rPr lang="en-GB" sz="1000" dirty="0" smtClean="0">
+              <a:t>t.ex</a:t>
+            </a:r>
+            <a:r>
+              <a:rPr lang="en-GB" sz="1000" dirty="0">
                 <a:solidFill>
                   <a:srgbClr val="000000"/>
                 </a:solidFill>
               </a:rPr>
-              <a:t> </a:t>
-            </a:r>
-            <a:r>
-              <a:rPr lang="en-GB" sz="1000" dirty="0" err="1" smtClean="0">
-                <a:solidFill>
-                  <a:srgbClr val="000000"/>
-                </a:solidFill>
-              </a:rPr>
-              <a:t>om</a:t>
-            </a:r>
-            <a:r>
-              <a:rPr lang="en-GB" sz="1000" dirty="0" smtClean="0">
-                <a:solidFill>
-                  <a:srgbClr val="000000"/>
-                </a:solidFill>
-              </a:rPr>
-              <a:t> </a:t>
-            </a:r>
-            <a:r>
-              <a:rPr lang="en-GB" sz="1000" dirty="0" err="1" smtClean="0">
-                <a:solidFill>
-                  <a:srgbClr val="000000"/>
-                </a:solidFill>
-              </a:rPr>
-              <a:t>patienten</a:t>
-            </a:r>
-            <a:r>
-              <a:rPr lang="en-GB" sz="1000" dirty="0" smtClean="0">
-                <a:solidFill>
-                  <a:srgbClr val="000000"/>
-                </a:solidFill>
-              </a:rPr>
-              <a:t>, </a:t>
-            </a:r>
-            <a:r>
-              <a:rPr lang="en-GB" sz="1000" dirty="0" err="1" smtClean="0">
-                <a:solidFill>
-                  <a:srgbClr val="000000"/>
-                </a:solidFill>
-              </a:rPr>
-              <a:t>t.ex</a:t>
-            </a:r>
-            <a:r>
-              <a:rPr lang="en-GB" sz="1000" dirty="0" smtClean="0">
-                <a:solidFill>
-                  <a:srgbClr val="000000"/>
-                </a:solidFill>
-              </a:rPr>
-              <a:t>. “123”</a:t>
+              <a:t>. “KS123”</a:t>
             </a:r>
             <a:endParaRPr lang="en-GB" sz="1000" dirty="0">
               <a:solidFill>
@@ -18112,6 +18378,18 @@
             <a:r>
               <a:rPr lang="en-GB" sz="1400" dirty="0" err="1" smtClean="0"/>
               <a:t>Vårdsystem</a:t>
+            </a:r>
+            <a:endParaRPr lang="en-GB" sz="1400" dirty="0" smtClean="0"/>
+          </a:p>
+          <a:p>
+            <a:pPr algn="ctr"/>
+            <a:r>
+              <a:rPr lang="en-GB" sz="1400" dirty="0"/>
+              <a:t>“KS123</a:t>
+            </a:r>
+            <a:r>
+              <a:rPr lang="en-GB" sz="1400" dirty="0" smtClean="0"/>
+              <a:t>”</a:t>
             </a:r>
             <a:endParaRPr lang="en-GB" sz="1400" dirty="0"/>
           </a:p>
@@ -18323,9 +18601,6 @@
               </a:rPr>
               <a:t>AP</a:t>
             </a:r>
-            <a:endParaRPr lang="en-GB" sz="1000" b="1" dirty="0" smtClean="0">
-              <a:cs typeface="Geneva" charset="0"/>
-            </a:endParaRPr>
           </a:p>
         </p:txBody>
       </p:sp>
@@ -18658,9 +18933,6 @@
               </a:rPr>
               <a:t>AP</a:t>
             </a:r>
-            <a:endParaRPr lang="en-GB" sz="1000" b="1" dirty="0" smtClean="0">
-              <a:cs typeface="Geneva" charset="0"/>
-            </a:endParaRPr>
           </a:p>
         </p:txBody>
       </p:sp>
